--- a/doc/答辩展示.pptx
+++ b/doc/答辩展示.pptx
@@ -6,6 +6,8 @@
   </p:sldMasterIdLst>
   <p:sldIdLst>
     <p:sldId id="256" r:id="rId2"/>
+    <p:sldId id="257" r:id="rId3"/>
+    <p:sldId id="258" r:id="rId4"/>
   </p:sldIdLst>
   <p:sldSz cx="12192000" cy="6858000"/>
   <p:notesSz cx="6858000" cy="9144000"/>
@@ -104,6 +106,11 @@
       </a:defRPr>
     </a:lvl9pPr>
   </p:defaultTextStyle>
+  <p:extLst>
+    <p:ext uri="{EFAFB233-063F-42B5-8137-9DF3F51BA10A}">
+      <p15:sldGuideLst xmlns:p15="http://schemas.microsoft.com/office/powerpoint/2012/main"/>
+    </p:ext>
+  </p:extLst>
 </p:presentation>
 </file>
 
@@ -3328,6 +3335,14 @@
 <file path=ppt/slides/slide1.xml><?xml version="1.0" encoding="utf-8"?>
 <p:sld xmlns:a="http://schemas.openxmlformats.org/drawingml/2006/main" xmlns:r="http://schemas.openxmlformats.org/officeDocument/2006/relationships" xmlns:p="http://schemas.openxmlformats.org/presentationml/2006/main">
   <p:cSld>
+    <p:bg>
+      <p:bgPr>
+        <a:solidFill>
+          <a:schemeClr val="tx1"/>
+        </a:solidFill>
+        <a:effectLst/>
+      </p:bgPr>
+    </p:bg>
     <p:spTree>
       <p:nvGrpSpPr>
         <p:cNvPr id="1" name=""/>
@@ -3344,51 +3359,52 @@
       </p:grpSpPr>
       <p:sp>
         <p:nvSpPr>
-          <p:cNvPr id="2" name="标题 1">
-            <a:extLst>
-              <a:ext uri="{FF2B5EF4-FFF2-40B4-BE49-F238E27FC236}">
-                <a16:creationId xmlns:a16="http://schemas.microsoft.com/office/drawing/2014/main" id="{3F1B44FC-9D71-4CD9-B580-2EFCF271D0BD}"/>
-              </a:ext>
-            </a:extLst>
-          </p:cNvPr>
-          <p:cNvSpPr>
-            <a:spLocks noGrp="1"/>
-          </p:cNvSpPr>
-          <p:nvPr>
-            <p:ph type="ctrTitle"/>
-          </p:nvPr>
-        </p:nvSpPr>
-        <p:spPr/>
-        <p:txBody>
-          <a:bodyPr/>
-          <a:lstStyle/>
-          <a:p>
-            <a:endParaRPr lang="en-US"/>
-          </a:p>
-        </p:txBody>
-      </p:sp>
-      <p:sp>
-        <p:nvSpPr>
-          <p:cNvPr id="3" name="副标题 2">
-            <a:extLst>
-              <a:ext uri="{FF2B5EF4-FFF2-40B4-BE49-F238E27FC236}">
-                <a16:creationId xmlns:a16="http://schemas.microsoft.com/office/drawing/2014/main" id="{E33FDC5C-6762-4C00-8C70-AB79F35F1579}"/>
-              </a:ext>
-            </a:extLst>
-          </p:cNvPr>
-          <p:cNvSpPr>
-            <a:spLocks noGrp="1"/>
-          </p:cNvSpPr>
-          <p:nvPr>
-            <p:ph type="subTitle" idx="1"/>
-          </p:nvPr>
-        </p:nvSpPr>
-        <p:spPr/>
-        <p:txBody>
-          <a:bodyPr/>
-          <a:lstStyle/>
-          <a:p>
-            <a:endParaRPr lang="en-US"/>
+          <p:cNvPr id="4" name="文本框 3">
+            <a:extLst>
+              <a:ext uri="{FF2B5EF4-FFF2-40B4-BE49-F238E27FC236}">
+                <a16:creationId xmlns:a16="http://schemas.microsoft.com/office/drawing/2014/main" id="{6B51F33B-9B10-40C2-821B-D78541F17101}"/>
+              </a:ext>
+            </a:extLst>
+          </p:cNvPr>
+          <p:cNvSpPr txBox="1"/>
+          <p:nvPr/>
+        </p:nvSpPr>
+        <p:spPr>
+          <a:xfrm>
+            <a:off x="3693111" y="2512381"/>
+            <a:ext cx="7474998" cy="1107996"/>
+          </a:xfrm>
+          <a:prstGeom prst="rect">
+            <a:avLst/>
+          </a:prstGeom>
+          <a:noFill/>
+        </p:spPr>
+        <p:txBody>
+          <a:bodyPr wrap="square" rtlCol="0">
+            <a:spAutoFit/>
+          </a:bodyPr>
+          <a:lstStyle/>
+          <a:p>
+            <a:r>
+              <a:rPr lang="zh-CN" altLang="en-US" sz="6600" dirty="0">
+                <a:solidFill>
+                  <a:schemeClr val="bg1"/>
+                </a:solidFill>
+                <a:latin typeface="微软雅黑 Light" panose="020B0502040204020203" pitchFamily="34" charset="-122"/>
+                <a:ea typeface="微软雅黑 Light" panose="020B0502040204020203" pitchFamily="34" charset="-122"/>
+              </a:rPr>
+              <a:t>跑</a:t>
+            </a:r>
+            <a:r>
+              <a:rPr lang="en-US" sz="6600" dirty="0">
+                <a:solidFill>
+                  <a:schemeClr val="bg1"/>
+                </a:solidFill>
+                <a:latin typeface="微软雅黑 Light" panose="020B0502040204020203" pitchFamily="34" charset="-122"/>
+                <a:ea typeface="微软雅黑 Light" panose="020B0502040204020203" pitchFamily="34" charset="-122"/>
+              </a:rPr>
+              <a:t>Kemon-Go</a:t>
+            </a:r>
           </a:p>
         </p:txBody>
       </p:sp>
@@ -3396,6 +3412,415 @@
     <p:extLst>
       <p:ext uri="{BB962C8B-B14F-4D97-AF65-F5344CB8AC3E}">
         <p14:creationId xmlns:p14="http://schemas.microsoft.com/office/powerpoint/2010/main" val="1570699885"/>
+      </p:ext>
+    </p:extLst>
+  </p:cSld>
+  <p:clrMapOvr>
+    <a:masterClrMapping/>
+  </p:clrMapOvr>
+</p:sld>
+</file>
+
+<file path=ppt/slides/slide2.xml><?xml version="1.0" encoding="utf-8"?>
+<p:sld xmlns:a="http://schemas.openxmlformats.org/drawingml/2006/main" xmlns:r="http://schemas.openxmlformats.org/officeDocument/2006/relationships" xmlns:p="http://schemas.openxmlformats.org/presentationml/2006/main">
+  <p:cSld>
+    <p:bg>
+      <p:bgPr>
+        <a:solidFill>
+          <a:schemeClr val="tx1"/>
+        </a:solidFill>
+        <a:effectLst/>
+      </p:bgPr>
+    </p:bg>
+    <p:spTree>
+      <p:nvGrpSpPr>
+        <p:cNvPr id="1" name=""/>
+        <p:cNvGrpSpPr/>
+        <p:nvPr/>
+      </p:nvGrpSpPr>
+      <p:grpSpPr>
+        <a:xfrm>
+          <a:off x="0" y="0"/>
+          <a:ext cx="0" cy="0"/>
+          <a:chOff x="0" y="0"/>
+          <a:chExt cx="0" cy="0"/>
+        </a:xfrm>
+      </p:grpSpPr>
+      <p:sp>
+        <p:nvSpPr>
+          <p:cNvPr id="4" name="文本框 3">
+            <a:extLst>
+              <a:ext uri="{FF2B5EF4-FFF2-40B4-BE49-F238E27FC236}">
+                <a16:creationId xmlns:a16="http://schemas.microsoft.com/office/drawing/2014/main" id="{6B51F33B-9B10-40C2-821B-D78541F17101}"/>
+              </a:ext>
+            </a:extLst>
+          </p:cNvPr>
+          <p:cNvSpPr txBox="1"/>
+          <p:nvPr/>
+        </p:nvSpPr>
+        <p:spPr>
+          <a:xfrm>
+            <a:off x="2006354" y="878890"/>
+            <a:ext cx="7474998" cy="6524863"/>
+          </a:xfrm>
+          <a:prstGeom prst="rect">
+            <a:avLst/>
+          </a:prstGeom>
+          <a:noFill/>
+        </p:spPr>
+        <p:txBody>
+          <a:bodyPr wrap="square" rtlCol="0">
+            <a:spAutoFit/>
+          </a:bodyPr>
+          <a:lstStyle/>
+          <a:p>
+            <a:pPr marL="857250" lvl="0" indent="-857250">
+              <a:lnSpc>
+                <a:spcPct val="200000"/>
+              </a:lnSpc>
+              <a:buFont typeface="Arial" panose="020B0604020202020204" pitchFamily="34" charset="0"/>
+              <a:buChar char="•"/>
+            </a:pPr>
+            <a:r>
+              <a:rPr lang="zh-CN" altLang="en-US" sz="3200" dirty="0">
+                <a:solidFill>
+                  <a:prstClr val="white"/>
+                </a:solidFill>
+                <a:latin typeface="微软雅黑 Light" panose="020B0502040204020203" pitchFamily="34" charset="-122"/>
+                <a:ea typeface="微软雅黑 Light" panose="020B0502040204020203" pitchFamily="34" charset="-122"/>
+              </a:rPr>
+              <a:t>产品定位与价值</a:t>
+            </a:r>
+            <a:endParaRPr lang="en-US" altLang="zh-CN" sz="3200" dirty="0">
+              <a:solidFill>
+                <a:prstClr val="white"/>
+              </a:solidFill>
+              <a:latin typeface="微软雅黑 Light" panose="020B0502040204020203" pitchFamily="34" charset="-122"/>
+              <a:ea typeface="微软雅黑 Light" panose="020B0502040204020203" pitchFamily="34" charset="-122"/>
+            </a:endParaRPr>
+          </a:p>
+          <a:p>
+            <a:pPr marL="857250" lvl="0" indent="-857250">
+              <a:lnSpc>
+                <a:spcPct val="200000"/>
+              </a:lnSpc>
+              <a:buFont typeface="Arial" panose="020B0604020202020204" pitchFamily="34" charset="0"/>
+              <a:buChar char="•"/>
+            </a:pPr>
+            <a:r>
+              <a:rPr lang="zh-CN" altLang="en-US" sz="3200" dirty="0">
+                <a:solidFill>
+                  <a:prstClr val="white"/>
+                </a:solidFill>
+                <a:latin typeface="微软雅黑 Light" panose="020B0502040204020203" pitchFamily="34" charset="-122"/>
+                <a:ea typeface="微软雅黑 Light" panose="020B0502040204020203" pitchFamily="34" charset="-122"/>
+              </a:rPr>
+              <a:t>系统功能演示</a:t>
+            </a:r>
+            <a:endParaRPr lang="en-US" altLang="zh-CN" sz="3200" dirty="0">
+              <a:solidFill>
+                <a:prstClr val="white"/>
+              </a:solidFill>
+              <a:latin typeface="微软雅黑 Light" panose="020B0502040204020203" pitchFamily="34" charset="-122"/>
+              <a:ea typeface="微软雅黑 Light" panose="020B0502040204020203" pitchFamily="34" charset="-122"/>
+            </a:endParaRPr>
+          </a:p>
+          <a:p>
+            <a:pPr marL="857250" lvl="0" indent="-857250">
+              <a:lnSpc>
+                <a:spcPct val="200000"/>
+              </a:lnSpc>
+              <a:buFont typeface="Arial" panose="020B0604020202020204" pitchFamily="34" charset="0"/>
+              <a:buChar char="•"/>
+            </a:pPr>
+            <a:r>
+              <a:rPr lang="zh-CN" altLang="en-US" sz="3200" dirty="0">
+                <a:solidFill>
+                  <a:prstClr val="white"/>
+                </a:solidFill>
+                <a:latin typeface="微软雅黑 Light" panose="020B0502040204020203" pitchFamily="34" charset="-122"/>
+                <a:ea typeface="微软雅黑 Light" panose="020B0502040204020203" pitchFamily="34" charset="-122"/>
+              </a:rPr>
+              <a:t>关键技术</a:t>
+            </a:r>
+            <a:endParaRPr lang="en-US" altLang="zh-CN" sz="3200" dirty="0">
+              <a:solidFill>
+                <a:prstClr val="white"/>
+              </a:solidFill>
+              <a:latin typeface="微软雅黑 Light" panose="020B0502040204020203" pitchFamily="34" charset="-122"/>
+              <a:ea typeface="微软雅黑 Light" panose="020B0502040204020203" pitchFamily="34" charset="-122"/>
+            </a:endParaRPr>
+          </a:p>
+          <a:p>
+            <a:pPr marL="857250" lvl="0" indent="-857250">
+              <a:lnSpc>
+                <a:spcPct val="200000"/>
+              </a:lnSpc>
+              <a:buFont typeface="Arial" panose="020B0604020202020204" pitchFamily="34" charset="0"/>
+              <a:buChar char="•"/>
+            </a:pPr>
+            <a:r>
+              <a:rPr lang="zh-CN" altLang="en-US" sz="3200" dirty="0">
+                <a:solidFill>
+                  <a:prstClr val="white"/>
+                </a:solidFill>
+                <a:latin typeface="微软雅黑 Light" panose="020B0502040204020203" pitchFamily="34" charset="-122"/>
+                <a:ea typeface="微软雅黑 Light" panose="020B0502040204020203" pitchFamily="34" charset="-122"/>
+              </a:rPr>
+              <a:t>特色与创新点</a:t>
+            </a:r>
+            <a:endParaRPr lang="en-US" altLang="zh-CN" sz="3200" dirty="0">
+              <a:solidFill>
+                <a:prstClr val="white"/>
+              </a:solidFill>
+              <a:latin typeface="微软雅黑 Light" panose="020B0502040204020203" pitchFamily="34" charset="-122"/>
+              <a:ea typeface="微软雅黑 Light" panose="020B0502040204020203" pitchFamily="34" charset="-122"/>
+            </a:endParaRPr>
+          </a:p>
+          <a:p>
+            <a:pPr marL="857250" lvl="0" indent="-857250">
+              <a:lnSpc>
+                <a:spcPct val="200000"/>
+              </a:lnSpc>
+              <a:buFont typeface="Arial" panose="020B0604020202020204" pitchFamily="34" charset="0"/>
+              <a:buChar char="•"/>
+            </a:pPr>
+            <a:r>
+              <a:rPr lang="zh-CN" altLang="en-US" sz="3200" dirty="0">
+                <a:solidFill>
+                  <a:prstClr val="white"/>
+                </a:solidFill>
+                <a:latin typeface="微软雅黑 Light" panose="020B0502040204020203" pitchFamily="34" charset="-122"/>
+                <a:ea typeface="微软雅黑 Light" panose="020B0502040204020203" pitchFamily="34" charset="-122"/>
+              </a:rPr>
+              <a:t>总结</a:t>
+            </a:r>
+            <a:endParaRPr lang="en-US" altLang="zh-CN" sz="3200" dirty="0">
+              <a:solidFill>
+                <a:prstClr val="white"/>
+              </a:solidFill>
+              <a:latin typeface="微软雅黑 Light" panose="020B0502040204020203" pitchFamily="34" charset="-122"/>
+              <a:ea typeface="微软雅黑 Light" panose="020B0502040204020203" pitchFamily="34" charset="-122"/>
+            </a:endParaRPr>
+          </a:p>
+          <a:p>
+            <a:pPr marL="857250" lvl="0" indent="-857250">
+              <a:buFont typeface="Arial" panose="020B0604020202020204" pitchFamily="34" charset="0"/>
+              <a:buChar char="•"/>
+            </a:pPr>
+            <a:endParaRPr lang="en-US" altLang="zh-CN" sz="3200" dirty="0">
+              <a:solidFill>
+                <a:prstClr val="white"/>
+              </a:solidFill>
+              <a:latin typeface="Microsoft YaHei Light" panose="020B0502040204020203" pitchFamily="34" charset="-122"/>
+              <a:ea typeface="Microsoft YaHei Light" panose="020B0502040204020203" pitchFamily="34" charset="-122"/>
+            </a:endParaRPr>
+          </a:p>
+          <a:p>
+            <a:pPr marL="857250" lvl="0" indent="-857250">
+              <a:buFont typeface="Arial" panose="020B0604020202020204" pitchFamily="34" charset="0"/>
+              <a:buChar char="•"/>
+            </a:pPr>
+            <a:endParaRPr kumimoji="0" lang="en-US" sz="6600" b="0" i="0" u="none" strike="noStrike" kern="1200" cap="none" spc="0" normalizeH="0" baseline="0" noProof="0" dirty="0">
+              <a:ln>
+                <a:noFill/>
+              </a:ln>
+              <a:solidFill>
+                <a:prstClr val="white"/>
+              </a:solidFill>
+              <a:effectLst/>
+              <a:uLnTx/>
+              <a:uFillTx/>
+              <a:latin typeface="Microsoft YaHei Light" panose="020B0502040204020203" pitchFamily="34" charset="-122"/>
+              <a:ea typeface="Microsoft YaHei Light" panose="020B0502040204020203" pitchFamily="34" charset="-122"/>
+              <a:cs typeface="+mn-cs"/>
+            </a:endParaRPr>
+          </a:p>
+        </p:txBody>
+      </p:sp>
+    </p:spTree>
+    <p:extLst>
+      <p:ext uri="{BB962C8B-B14F-4D97-AF65-F5344CB8AC3E}">
+        <p14:creationId xmlns:p14="http://schemas.microsoft.com/office/powerpoint/2010/main" val="4285646236"/>
+      </p:ext>
+    </p:extLst>
+  </p:cSld>
+  <p:clrMapOvr>
+    <a:masterClrMapping/>
+  </p:clrMapOvr>
+</p:sld>
+</file>
+
+<file path=ppt/slides/slide3.xml><?xml version="1.0" encoding="utf-8"?>
+<p:sld xmlns:a="http://schemas.openxmlformats.org/drawingml/2006/main" xmlns:r="http://schemas.openxmlformats.org/officeDocument/2006/relationships" xmlns:p="http://schemas.openxmlformats.org/presentationml/2006/main">
+  <p:cSld>
+    <p:bg>
+      <p:bgPr>
+        <a:solidFill>
+          <a:schemeClr val="tx1"/>
+        </a:solidFill>
+        <a:effectLst/>
+      </p:bgPr>
+    </p:bg>
+    <p:spTree>
+      <p:nvGrpSpPr>
+        <p:cNvPr id="1" name=""/>
+        <p:cNvGrpSpPr/>
+        <p:nvPr/>
+      </p:nvGrpSpPr>
+      <p:grpSpPr>
+        <a:xfrm>
+          <a:off x="0" y="0"/>
+          <a:ext cx="0" cy="0"/>
+          <a:chOff x="0" y="0"/>
+          <a:chExt cx="0" cy="0"/>
+        </a:xfrm>
+      </p:grpSpPr>
+      <p:sp>
+        <p:nvSpPr>
+          <p:cNvPr id="4" name="文本框 3">
+            <a:extLst>
+              <a:ext uri="{FF2B5EF4-FFF2-40B4-BE49-F238E27FC236}">
+                <a16:creationId xmlns:a16="http://schemas.microsoft.com/office/drawing/2014/main" id="{6B51F33B-9B10-40C2-821B-D78541F17101}"/>
+              </a:ext>
+            </a:extLst>
+          </p:cNvPr>
+          <p:cNvSpPr txBox="1"/>
+          <p:nvPr/>
+        </p:nvSpPr>
+        <p:spPr>
+          <a:xfrm>
+            <a:off x="3284739" y="2020929"/>
+            <a:ext cx="7474998" cy="3631763"/>
+          </a:xfrm>
+          <a:prstGeom prst="rect">
+            <a:avLst/>
+          </a:prstGeom>
+          <a:noFill/>
+        </p:spPr>
+        <p:txBody>
+          <a:bodyPr wrap="square" rtlCol="0">
+            <a:spAutoFit/>
+          </a:bodyPr>
+          <a:lstStyle/>
+          <a:p>
+            <a:pPr marR="0" lvl="0" algn="l" defTabSz="914400" rtl="0" eaLnBrk="1" fontAlgn="auto" latinLnBrk="0" hangingPunct="1">
+              <a:lnSpc>
+                <a:spcPct val="200000"/>
+              </a:lnSpc>
+              <a:spcBef>
+                <a:spcPts val="0"/>
+              </a:spcBef>
+              <a:spcAft>
+                <a:spcPts val="0"/>
+              </a:spcAft>
+              <a:buClrTx/>
+              <a:buSzTx/>
+              <a:tabLst/>
+              <a:defRPr/>
+            </a:pPr>
+            <a:r>
+              <a:rPr kumimoji="0" lang="zh-CN" altLang="en-US" sz="6600" b="0" i="0" u="none" strike="noStrike" kern="1200" cap="none" spc="0" normalizeH="0" baseline="0" noProof="0" dirty="0">
+                <a:ln>
+                  <a:noFill/>
+                </a:ln>
+                <a:solidFill>
+                  <a:prstClr val="white"/>
+                </a:solidFill>
+                <a:effectLst/>
+                <a:uLnTx/>
+                <a:uFillTx/>
+                <a:latin typeface="微软雅黑 Light" panose="020B0502040204020203" pitchFamily="34" charset="-122"/>
+                <a:ea typeface="微软雅黑 Light" panose="020B0502040204020203" pitchFamily="34" charset="-122"/>
+                <a:cs typeface="+mn-cs"/>
+              </a:rPr>
+              <a:t>产品定位与价值</a:t>
+            </a:r>
+            <a:endParaRPr kumimoji="0" lang="en-US" altLang="zh-CN" sz="6600" b="0" i="0" u="none" strike="noStrike" kern="1200" cap="none" spc="0" normalizeH="0" baseline="0" noProof="0" dirty="0">
+              <a:ln>
+                <a:noFill/>
+              </a:ln>
+              <a:solidFill>
+                <a:prstClr val="white"/>
+              </a:solidFill>
+              <a:effectLst/>
+              <a:uLnTx/>
+              <a:uFillTx/>
+              <a:latin typeface="微软雅黑 Light" panose="020B0502040204020203" pitchFamily="34" charset="-122"/>
+              <a:ea typeface="微软雅黑 Light" panose="020B0502040204020203" pitchFamily="34" charset="-122"/>
+              <a:cs typeface="+mn-cs"/>
+            </a:endParaRPr>
+          </a:p>
+          <a:p>
+            <a:pPr marR="0" lvl="0" algn="l" defTabSz="914400" rtl="0" eaLnBrk="1" fontAlgn="auto" latinLnBrk="0" hangingPunct="1">
+              <a:lnSpc>
+                <a:spcPct val="100000"/>
+              </a:lnSpc>
+              <a:spcBef>
+                <a:spcPts val="0"/>
+              </a:spcBef>
+              <a:spcAft>
+                <a:spcPts val="0"/>
+              </a:spcAft>
+              <a:buClrTx/>
+              <a:buSzTx/>
+              <a:tabLst/>
+              <a:defRPr/>
+            </a:pPr>
+            <a:endParaRPr kumimoji="0" lang="en-US" altLang="zh-CN" sz="3200" b="0" i="0" u="none" strike="noStrike" kern="1200" cap="none" spc="0" normalizeH="0" baseline="0" noProof="0" dirty="0">
+              <a:ln>
+                <a:noFill/>
+              </a:ln>
+              <a:solidFill>
+                <a:prstClr val="white"/>
+              </a:solidFill>
+              <a:effectLst/>
+              <a:uLnTx/>
+              <a:uFillTx/>
+              <a:latin typeface="Microsoft YaHei Light" panose="020B0502040204020203" pitchFamily="34" charset="-122"/>
+              <a:ea typeface="Microsoft YaHei Light" panose="020B0502040204020203" pitchFamily="34" charset="-122"/>
+              <a:cs typeface="+mn-cs"/>
+            </a:endParaRPr>
+          </a:p>
+          <a:p>
+            <a:pPr marL="857250" marR="0" lvl="0" indent="-857250" algn="l" defTabSz="914400" rtl="0" eaLnBrk="1" fontAlgn="auto" latinLnBrk="0" hangingPunct="1">
+              <a:lnSpc>
+                <a:spcPct val="100000"/>
+              </a:lnSpc>
+              <a:spcBef>
+                <a:spcPts val="0"/>
+              </a:spcBef>
+              <a:spcAft>
+                <a:spcPts val="0"/>
+              </a:spcAft>
+              <a:buClrTx/>
+              <a:buSzTx/>
+              <a:buFont typeface="Arial" panose="020B0604020202020204" pitchFamily="34" charset="0"/>
+              <a:buChar char="•"/>
+              <a:tabLst/>
+              <a:defRPr/>
+            </a:pPr>
+            <a:endParaRPr kumimoji="0" lang="en-US" sz="6600" b="0" i="0" u="none" strike="noStrike" kern="1200" cap="none" spc="0" normalizeH="0" baseline="0" noProof="0" dirty="0">
+              <a:ln>
+                <a:noFill/>
+              </a:ln>
+              <a:solidFill>
+                <a:prstClr val="white"/>
+              </a:solidFill>
+              <a:effectLst/>
+              <a:uLnTx/>
+              <a:uFillTx/>
+              <a:latin typeface="Microsoft YaHei Light" panose="020B0502040204020203" pitchFamily="34" charset="-122"/>
+              <a:ea typeface="Microsoft YaHei Light" panose="020B0502040204020203" pitchFamily="34" charset="-122"/>
+              <a:cs typeface="+mn-cs"/>
+            </a:endParaRPr>
+          </a:p>
+        </p:txBody>
+      </p:sp>
+    </p:spTree>
+    <p:extLst>
+      <p:ext uri="{BB962C8B-B14F-4D97-AF65-F5344CB8AC3E}">
+        <p14:creationId xmlns:p14="http://schemas.microsoft.com/office/powerpoint/2010/main" val="136166984"/>
       </p:ext>
     </p:extLst>
   </p:cSld>
